--- a/Day2_Qubits_and_their_Vector_Space/Day2.pptx
+++ b/Day2_Qubits_and_their_Vector_Space/Day2.pptx
@@ -156,6 +156,7 @@
     <p1510:client id="{98658EA4-C825-DD20-F61F-667F24F2F58C}" v="2164" dt="2020-08-27T22:51:14.371"/>
     <p1510:client id="{B23D8BCD-81C1-4F1F-FB34-337DD787B947}" v="1451" dt="2020-08-27T15:18:23.042"/>
     <p1510:client id="{BEAE4C7E-7F53-4B48-E0A3-97D325471033}" v="5" dt="2020-08-27T10:44:23.848"/>
+    <p1510:client id="{C5C6D1F6-3D76-7681-C79C-B675E17238B6}" v="25" dt="2021-01-11T07:48:20.335"/>
     <p1510:client id="{D23326A1-BC8F-4C49-5DE5-82C26351F3AB}" v="114" dt="2020-08-27T15:03:21.314"/>
     <p1510:client id="{F75B0586-A660-B996-6146-1CE3ECD10D8B}" v="3063" dt="2020-08-27T10:35:08.886"/>
   </p1510:revLst>
@@ -1382,7 +1383,7 @@
             <a:fld id="{B61BEF0D-F0BB-DE4B-95CE-6DB70DBA9567}" type="datetimeFigureOut">
               <a:rPr lang="en-US" dirty="0"/>
               <a:pPr/>
-              <a:t>8/29/2020</a:t>
+              <a:t>1/10/2021</a:t>
             </a:fld>
             <a:endParaRPr lang="en-US"/>
           </a:p>
@@ -1713,7 +1714,7 @@
             <a:fld id="{B61BEF0D-F0BB-DE4B-95CE-6DB70DBA9567}" type="datetimeFigureOut">
               <a:rPr lang="en-US" dirty="0"/>
               <a:pPr/>
-              <a:t>8/29/2020</a:t>
+              <a:t>1/10/2021</a:t>
             </a:fld>
             <a:endParaRPr lang="en-US"/>
           </a:p>
@@ -1992,7 +1993,7 @@
             <a:fld id="{B61BEF0D-F0BB-DE4B-95CE-6DB70DBA9567}" type="datetimeFigureOut">
               <a:rPr lang="en-US" dirty="0"/>
               <a:pPr/>
-              <a:t>8/29/2020</a:t>
+              <a:t>1/10/2021</a:t>
             </a:fld>
             <a:endParaRPr lang="en-US"/>
           </a:p>
@@ -2561,7 +2562,7 @@
             <a:fld id="{B61BEF0D-F0BB-DE4B-95CE-6DB70DBA9567}" type="datetimeFigureOut">
               <a:rPr lang="en-US" dirty="0"/>
               <a:pPr/>
-              <a:t>8/29/2020</a:t>
+              <a:t>1/10/2021</a:t>
             </a:fld>
             <a:endParaRPr lang="en-US"/>
           </a:p>
@@ -2840,7 +2841,7 @@
             <a:fld id="{B61BEF0D-F0BB-DE4B-95CE-6DB70DBA9567}" type="datetimeFigureOut">
               <a:rPr lang="en-US" dirty="0"/>
               <a:pPr/>
-              <a:t>8/29/2020</a:t>
+              <a:t>1/10/2021</a:t>
             </a:fld>
             <a:endParaRPr lang="en-US"/>
           </a:p>
@@ -3403,7 +3404,7 @@
             <a:fld id="{B61BEF0D-F0BB-DE4B-95CE-6DB70DBA9567}" type="datetimeFigureOut">
               <a:rPr lang="en-US" dirty="0"/>
               <a:pPr/>
-              <a:t>8/29/2020</a:t>
+              <a:t>1/10/2021</a:t>
             </a:fld>
             <a:endParaRPr lang="en-US"/>
           </a:p>
@@ -3731,7 +3732,7 @@
             <a:fld id="{B61BEF0D-F0BB-DE4B-95CE-6DB70DBA9567}" type="datetimeFigureOut">
               <a:rPr lang="en-US" dirty="0"/>
               <a:pPr/>
-              <a:t>8/29/2020</a:t>
+              <a:t>1/10/2021</a:t>
             </a:fld>
             <a:endParaRPr lang="en-US"/>
           </a:p>
@@ -3909,7 +3910,7 @@
             <a:fld id="{B61BEF0D-F0BB-DE4B-95CE-6DB70DBA9567}" type="datetimeFigureOut">
               <a:rPr lang="en-US" dirty="0"/>
               <a:pPr/>
-              <a:t>8/29/2020</a:t>
+              <a:t>1/10/2021</a:t>
             </a:fld>
             <a:endParaRPr lang="en-US"/>
           </a:p>
@@ -4146,7 +4147,7 @@
             <a:fld id="{B61BEF0D-F0BB-DE4B-95CE-6DB70DBA9567}" type="datetimeFigureOut">
               <a:rPr lang="en-US" dirty="0"/>
               <a:pPr/>
-              <a:t>8/29/2020</a:t>
+              <a:t>1/10/2021</a:t>
             </a:fld>
             <a:endParaRPr lang="en-US"/>
           </a:p>
@@ -4346,7 +4347,7 @@
             <a:fld id="{B61BEF0D-F0BB-DE4B-95CE-6DB70DBA9567}" type="datetimeFigureOut">
               <a:rPr lang="en-US" dirty="0"/>
               <a:pPr/>
-              <a:t>8/29/2020</a:t>
+              <a:t>1/10/2021</a:t>
             </a:fld>
             <a:endParaRPr lang="en-US"/>
           </a:p>
@@ -4623,7 +4624,7 @@
             <a:fld id="{B61BEF0D-F0BB-DE4B-95CE-6DB70DBA9567}" type="datetimeFigureOut">
               <a:rPr lang="en-US" dirty="0"/>
               <a:pPr/>
-              <a:t>8/29/2020</a:t>
+              <a:t>1/10/2021</a:t>
             </a:fld>
             <a:endParaRPr lang="en-US"/>
           </a:p>
@@ -4888,7 +4889,7 @@
             <a:fld id="{B61BEF0D-F0BB-DE4B-95CE-6DB70DBA9567}" type="datetimeFigureOut">
               <a:rPr lang="en-US" dirty="0"/>
               <a:pPr/>
-              <a:t>8/29/2020</a:t>
+              <a:t>1/10/2021</a:t>
             </a:fld>
             <a:endParaRPr lang="en-US"/>
           </a:p>
@@ -5261,7 +5262,7 @@
             <a:fld id="{B61BEF0D-F0BB-DE4B-95CE-6DB70DBA9567}" type="datetimeFigureOut">
               <a:rPr lang="en-US" dirty="0"/>
               <a:pPr/>
-              <a:t>8/29/2020</a:t>
+              <a:t>1/10/2021</a:t>
             </a:fld>
             <a:endParaRPr lang="en-US"/>
           </a:p>
@@ -5410,7 +5411,7 @@
             <a:fld id="{B61BEF0D-F0BB-DE4B-95CE-6DB70DBA9567}" type="datetimeFigureOut">
               <a:rPr lang="en-US" dirty="0"/>
               <a:pPr/>
-              <a:t>8/29/2020</a:t>
+              <a:t>1/10/2021</a:t>
             </a:fld>
             <a:endParaRPr lang="en-US"/>
           </a:p>
@@ -5537,7 +5538,7 @@
             <a:fld id="{B61BEF0D-F0BB-DE4B-95CE-6DB70DBA9567}" type="datetimeFigureOut">
               <a:rPr lang="en-US" dirty="0"/>
               <a:pPr/>
-              <a:t>8/29/2020</a:t>
+              <a:t>1/10/2021</a:t>
             </a:fld>
             <a:endParaRPr lang="en-US"/>
           </a:p>
@@ -5822,7 +5823,7 @@
             <a:fld id="{B61BEF0D-F0BB-DE4B-95CE-6DB70DBA9567}" type="datetimeFigureOut">
               <a:rPr lang="en-US" dirty="0"/>
               <a:pPr/>
-              <a:t>8/29/2020</a:t>
+              <a:t>1/10/2021</a:t>
             </a:fld>
             <a:endParaRPr lang="en-US"/>
           </a:p>
@@ -6143,7 +6144,7 @@
             <a:fld id="{B61BEF0D-F0BB-DE4B-95CE-6DB70DBA9567}" type="datetimeFigureOut">
               <a:rPr lang="en-US" dirty="0"/>
               <a:pPr/>
-              <a:t>8/29/2020</a:t>
+              <a:t>1/10/2021</a:t>
             </a:fld>
             <a:endParaRPr lang="en-US"/>
           </a:p>
@@ -6357,7 +6358,7 @@
             <a:fld id="{B61BEF0D-F0BB-DE4B-95CE-6DB70DBA9567}" type="datetimeFigureOut">
               <a:rPr lang="en-US" dirty="0"/>
               <a:pPr/>
-              <a:t>8/29/2020</a:t>
+              <a:t>1/10/2021</a:t>
             </a:fld>
             <a:endParaRPr lang="en-US"/>
           </a:p>
@@ -11446,8 +11447,8 @@
         </p:nvSpPr>
         <p:spPr>
           <a:xfrm>
-            <a:off x="6646333" y="4851399"/>
-            <a:ext cx="4513792" cy="914401"/>
+            <a:off x="6196949" y="4509476"/>
+            <a:ext cx="6008483" cy="914401"/>
           </a:xfrm>
         </p:spPr>
         <p:txBody>
@@ -11457,8 +11458,12 @@
           <a:lstStyle/>
           <a:p>
             <a:r>
-              <a:rPr lang="en-US"/>
-              <a:t>Quantum Computation Community IISER-K </a:t>
+              <a:rPr lang="en-US" dirty="0">
+                <a:latin typeface="Copperplate Gothic Bold"/>
+                <a:ea typeface="+mn-lt"/>
+                <a:cs typeface="Aharoni"/>
+              </a:rPr>
+              <a:t>introduction to quantum computation</a:t>
             </a:r>
           </a:p>
         </p:txBody>
@@ -12353,7 +12358,12 @@
               </a:rPr>
               <a:t>Intresting videos on formation and working on qubits.</a:t>
             </a:r>
-            <a:endParaRPr lang="en-US" sz="2400" dirty="0">
+          </a:p>
+          <a:p>
+            <a:pPr marL="0" indent="0">
+              <a:buNone/>
+            </a:pPr>
+            <a:endParaRPr lang="en-US" sz="2400">
               <a:solidFill>
                 <a:schemeClr val="tx1">
                   <a:lumMod val="85000"/>
@@ -12364,23 +12374,9 @@
             </a:endParaRPr>
           </a:p>
           <a:p>
-            <a:pPr marL="0" indent="0">
-              <a:buNone/>
-            </a:pPr>
-            <a:endParaRPr lang="en-US" sz="2400" dirty="0">
-              <a:solidFill>
-                <a:schemeClr val="tx1">
-                  <a:lumMod val="85000"/>
-                  <a:lumOff val="15000"/>
-                </a:schemeClr>
-              </a:solidFill>
-              <a:cs typeface="Calibri" panose="020F0502020204030204"/>
-            </a:endParaRPr>
-          </a:p>
-          <a:p>
             <a:pPr marL="342900" indent="-342900"/>
             <a:r>
-              <a:rPr lang="en-US" sz="2400" dirty="0">
+              <a:rPr lang="en-US" sz="2400">
                 <a:ea typeface="+mn-lt"/>
                 <a:cs typeface="+mn-lt"/>
                 <a:hlinkClick r:id="rId3"/>
@@ -12398,14 +12394,14 @@
           <a:p>
             <a:pPr marL="342900" indent="-342900"/>
             <a:r>
-              <a:rPr lang="en-US" sz="2400" dirty="0">
+              <a:rPr lang="en-US" sz="2400">
                 <a:ea typeface="+mn-lt"/>
                 <a:cs typeface="+mn-lt"/>
                 <a:hlinkClick r:id="rId4"/>
               </a:rPr>
               <a:t>https://www.youtube.com/watch?v=ZuvK-od647c</a:t>
             </a:r>
-            <a:endParaRPr lang="en-US" sz="2400" dirty="0">
+            <a:endParaRPr lang="en-US" sz="2400">
               <a:ea typeface="+mn-lt"/>
               <a:cs typeface="+mn-lt"/>
             </a:endParaRPr>
@@ -12413,14 +12409,14 @@
           <a:p>
             <a:pPr marL="342900" indent="-342900"/>
             <a:r>
-              <a:rPr lang="en-US" sz="2400" dirty="0">
+              <a:rPr lang="en-US" sz="2400">
                 <a:ea typeface="+mn-lt"/>
                 <a:cs typeface="+mn-lt"/>
                 <a:hlinkClick r:id="rId5"/>
               </a:rPr>
               <a:t>https://www.youtube.com/watch?v=QuR969uMICM</a:t>
             </a:r>
-            <a:endParaRPr lang="en-US" sz="2400" dirty="0">
+            <a:endParaRPr lang="en-US" sz="2400">
               <a:ea typeface="+mn-lt"/>
               <a:cs typeface="+mn-lt"/>
             </a:endParaRPr>
@@ -12428,7 +12424,7 @@
           <a:p>
             <a:pPr marL="342900" indent="-342900"/>
             <a:r>
-              <a:rPr lang="en-US" sz="2400" dirty="0">
+              <a:rPr lang="en-US" sz="2400">
                 <a:ea typeface="+mn-lt"/>
                 <a:cs typeface="+mn-lt"/>
                 <a:hlinkClick r:id="rId6"/>
@@ -13276,7 +13272,7 @@
           <a:lstStyle/>
           <a:p>
             <a:r>
-              <a:rPr lang="en-US" sz="3200" b="1" dirty="0">
+              <a:rPr lang="en-US" sz="3200" b="1">
                 <a:latin typeface="Calibri"/>
                 <a:cs typeface="Calibri Light"/>
               </a:rPr>
@@ -13346,7 +13342,7 @@
               <a:buNone/>
             </a:pPr>
             <a:r>
-              <a:rPr lang="en-US" sz="2400" dirty="0">
+              <a:rPr lang="en-US" sz="2400">
                 <a:solidFill>
                   <a:schemeClr val="tx1">
                     <a:lumMod val="85000"/>
@@ -13358,13 +13354,13 @@
               <a:t>If </a:t>
             </a:r>
             <a:r>
-              <a:rPr lang="el" sz="2400" b="1" dirty="0">
+              <a:rPr lang="el" sz="2400" b="1">
                 <a:cs typeface="Calibri" panose="020F0502020204030204"/>
               </a:rPr>
               <a:t>Ψ</a:t>
             </a:r>
             <a:r>
-              <a:rPr lang="el" sz="2400" b="1" dirty="0">
+              <a:rPr lang="el" sz="2400" b="1">
                 <a:solidFill>
                   <a:srgbClr val="000000"/>
                 </a:solidFill>
@@ -13372,19 +13368,6 @@
                 <a:cs typeface="+mn-lt"/>
               </a:rPr>
               <a:t>(x)</a:t>
-            </a:r>
-            <a:r>
-              <a:rPr lang="en-US" sz="2400" dirty="0">
-                <a:solidFill>
-                  <a:schemeClr val="tx1">
-                    <a:lumMod val="85000"/>
-                    <a:lumOff val="15000"/>
-                  </a:schemeClr>
-                </a:solidFill>
-                <a:ea typeface="+mn-lt"/>
-                <a:cs typeface="+mn-lt"/>
-              </a:rPr>
-              <a:t> is the wave function of the quantum state and the </a:t>
             </a:r>
             <a:r>
               <a:rPr lang="en-US" sz="2400">
@@ -13397,7 +13380,7 @@
                 <a:ea typeface="+mn-lt"/>
                 <a:cs typeface="+mn-lt"/>
               </a:rPr>
-              <a:t>probabity amplitude of the quantum state will be mod(</a:t>
+              <a:t> is the wave function of the quantum state and the probabity amplitude of the quantum state will be mod(</a:t>
             </a:r>
             <a:r>
               <a:rPr lang="el" sz="2400" b="1">
@@ -13434,7 +13417,7 @@
             <a:pPr marL="0" indent="0">
               <a:buNone/>
             </a:pPr>
-            <a:endParaRPr lang="en-US" sz="2400" dirty="0">
+            <a:endParaRPr lang="en-US" sz="2400">
               <a:solidFill>
                 <a:schemeClr val="tx1">
                   <a:lumMod val="85000"/>
@@ -13480,23 +13463,13 @@
               </a:rPr>
               <a:t>&gt; is given by:</a:t>
             </a:r>
-            <a:endParaRPr lang="en-US" sz="2400" dirty="0">
-              <a:solidFill>
-                <a:schemeClr val="tx1">
-                  <a:lumMod val="85000"/>
-                  <a:lumOff val="15000"/>
-                </a:schemeClr>
-              </a:solidFill>
-              <a:ea typeface="+mn-lt"/>
-              <a:cs typeface="+mn-lt"/>
-            </a:endParaRPr>
           </a:p>
           <a:p>
             <a:pPr marL="0" indent="0">
               <a:buNone/>
             </a:pPr>
             <a:r>
-              <a:rPr lang="en-US" sz="2400" dirty="0">
+              <a:rPr lang="en-US" sz="2400">
                 <a:solidFill>
                   <a:schemeClr val="tx1">
                     <a:lumMod val="85000"/>
@@ -13509,7 +13482,7 @@
               <a:t>|</a:t>
             </a:r>
             <a:r>
-              <a:rPr lang="el" sz="2400" b="1" dirty="0">
+              <a:rPr lang="el" sz="2400" b="1">
                 <a:ea typeface="+mn-lt"/>
                 <a:cs typeface="+mn-lt"/>
               </a:rPr>
@@ -13528,7 +13501,7 @@
               </a:rPr>
               <a:t>&gt; = x*|0&gt;+y*|1&gt; </a:t>
             </a:r>
-            <a:endParaRPr lang="en-US" sz="2400" dirty="0">
+            <a:endParaRPr lang="en-US" sz="2400">
               <a:solidFill>
                 <a:schemeClr val="tx1">
                   <a:lumMod val="85000"/>
@@ -13554,15 +13527,6 @@
               </a:rPr>
               <a:t>So probability amplitude will be </a:t>
             </a:r>
-            <a:endParaRPr lang="en-US" sz="2400" dirty="0">
-              <a:solidFill>
-                <a:schemeClr val="tx1">
-                  <a:lumMod val="85000"/>
-                  <a:lumOff val="15000"/>
-                </a:schemeClr>
-              </a:solidFill>
-              <a:cs typeface="Calibri" panose="020F0502020204030204"/>
-            </a:endParaRPr>
           </a:p>
           <a:p>
             <a:pPr marL="0" indent="0">
@@ -13630,7 +13594,7 @@
               </a:rPr>
               <a:t>is x making probability of |0&gt; to be x^2</a:t>
             </a:r>
-            <a:endParaRPr lang="en-US" sz="2400" dirty="0">
+            <a:endParaRPr lang="en-US" sz="2400">
               <a:solidFill>
                 <a:schemeClr val="tx1">
                   <a:lumMod val="85000"/>
@@ -13645,7 +13609,7 @@
               <a:buNone/>
             </a:pPr>
             <a:r>
-              <a:rPr lang="en-US" sz="2400" dirty="0">
+              <a:rPr lang="en-US" sz="2400">
                 <a:solidFill>
                   <a:schemeClr val="tx1">
                     <a:lumMod val="85000"/>
@@ -13658,13 +13622,13 @@
               <a:t>For |0&gt; </a:t>
             </a:r>
             <a:r>
-              <a:rPr lang="el" sz="2400" b="1" dirty="0">
+              <a:rPr lang="el" sz="2400" b="1">
                 <a:cs typeface="Calibri" panose="020F0502020204030204"/>
               </a:rPr>
               <a:t>Ψ</a:t>
             </a:r>
             <a:r>
-              <a:rPr lang="el" sz="2400" b="1" dirty="0">
+              <a:rPr lang="el" sz="2400" b="1">
                 <a:solidFill>
                   <a:srgbClr val="000000"/>
                 </a:solidFill>
@@ -13674,7 +13638,7 @@
               <a:t>(</a:t>
             </a:r>
             <a:r>
-              <a:rPr lang="en-US" sz="2400" dirty="0">
+              <a:rPr lang="en-US" sz="2400">
                 <a:solidFill>
                   <a:schemeClr val="tx1">
                     <a:lumMod val="85000"/>
@@ -13687,7 +13651,7 @@
               <a:t>|1&gt;</a:t>
             </a:r>
             <a:r>
-              <a:rPr lang="el" sz="2400" b="1" dirty="0">
+              <a:rPr lang="el" sz="2400" b="1">
                 <a:solidFill>
                   <a:srgbClr val="000000"/>
                 </a:solidFill>
@@ -13721,7 +13685,7 @@
             <a:pPr marL="0" indent="0">
               <a:buNone/>
             </a:pPr>
-            <a:endParaRPr lang="en-US" sz="2400" dirty="0">
+            <a:endParaRPr lang="en-US" sz="2400">
               <a:solidFill>
                 <a:schemeClr val="tx1">
                   <a:lumMod val="85000"/>
@@ -14066,7 +14030,7 @@
           <a:lstStyle/>
           <a:p>
             <a:r>
-              <a:rPr lang="en-US" sz="3200" b="1" dirty="0">
+              <a:rPr lang="en-US" sz="3200" b="1">
                 <a:latin typeface="Calibri"/>
                 <a:cs typeface="Calibri Light"/>
               </a:rPr>
@@ -14136,7 +14100,7 @@
               <a:buNone/>
             </a:pPr>
             <a:r>
-              <a:rPr lang="en-US" sz="2400" dirty="0">
+              <a:rPr lang="en-US" sz="2400">
                 <a:solidFill>
                   <a:schemeClr val="tx1">
                     <a:lumMod val="85000"/>
@@ -14148,13 +14112,13 @@
               <a:t>If </a:t>
             </a:r>
             <a:r>
-              <a:rPr lang="el" sz="2400" b="1" dirty="0">
+              <a:rPr lang="el" sz="2400" b="1">
                 <a:cs typeface="Calibri" panose="020F0502020204030204"/>
               </a:rPr>
               <a:t>Ψ</a:t>
             </a:r>
             <a:r>
-              <a:rPr lang="el" sz="2400" b="1" dirty="0">
+              <a:rPr lang="el" sz="2400" b="1">
                 <a:solidFill>
                   <a:srgbClr val="000000"/>
                 </a:solidFill>
@@ -14162,19 +14126,6 @@
                 <a:cs typeface="+mn-lt"/>
               </a:rPr>
               <a:t>(x)</a:t>
-            </a:r>
-            <a:r>
-              <a:rPr lang="en-US" sz="2400" dirty="0">
-                <a:solidFill>
-                  <a:schemeClr val="tx1">
-                    <a:lumMod val="85000"/>
-                    <a:lumOff val="15000"/>
-                  </a:schemeClr>
-                </a:solidFill>
-                <a:ea typeface="+mn-lt"/>
-                <a:cs typeface="+mn-lt"/>
-              </a:rPr>
-              <a:t> is the wave function of the quantum state and the </a:t>
             </a:r>
             <a:r>
               <a:rPr lang="en-US" sz="2400">
@@ -14187,7 +14138,7 @@
                 <a:ea typeface="+mn-lt"/>
                 <a:cs typeface="+mn-lt"/>
               </a:rPr>
-              <a:t>probabity amplitude of the quantum state will be mod(</a:t>
+              <a:t> is the wave function of the quantum state and the probabity amplitude of the quantum state will be mod(</a:t>
             </a:r>
             <a:r>
               <a:rPr lang="el" sz="2400" b="1">
@@ -14224,7 +14175,7 @@
             <a:pPr marL="0" indent="0">
               <a:buNone/>
             </a:pPr>
-            <a:endParaRPr lang="en-US" sz="2400" dirty="0">
+            <a:endParaRPr lang="en-US" sz="2400">
               <a:solidFill>
                 <a:schemeClr val="tx1">
                   <a:lumMod val="85000"/>
@@ -14270,23 +14221,13 @@
               </a:rPr>
               <a:t>&gt; is given by:</a:t>
             </a:r>
-            <a:endParaRPr lang="en-US" sz="2400" dirty="0">
-              <a:solidFill>
-                <a:schemeClr val="tx1">
-                  <a:lumMod val="85000"/>
-                  <a:lumOff val="15000"/>
-                </a:schemeClr>
-              </a:solidFill>
-              <a:ea typeface="+mn-lt"/>
-              <a:cs typeface="+mn-lt"/>
-            </a:endParaRPr>
           </a:p>
           <a:p>
             <a:pPr marL="0" indent="0">
               <a:buNone/>
             </a:pPr>
             <a:r>
-              <a:rPr lang="en-US" sz="2400" dirty="0">
+              <a:rPr lang="en-US" sz="2400">
                 <a:solidFill>
                   <a:schemeClr val="tx1">
                     <a:lumMod val="85000"/>
@@ -14299,7 +14240,7 @@
               <a:t>|</a:t>
             </a:r>
             <a:r>
-              <a:rPr lang="el" sz="2400" b="1" dirty="0">
+              <a:rPr lang="el" sz="2400" b="1">
                 <a:ea typeface="+mn-lt"/>
                 <a:cs typeface="+mn-lt"/>
               </a:rPr>
@@ -14318,7 +14259,7 @@
               </a:rPr>
               <a:t>&gt; = x*|0&gt;+y*|1&gt; </a:t>
             </a:r>
-            <a:endParaRPr lang="en-US" sz="2400" dirty="0">
+            <a:endParaRPr lang="en-US" sz="2400">
               <a:solidFill>
                 <a:schemeClr val="tx1">
                   <a:lumMod val="85000"/>
@@ -14344,15 +14285,6 @@
               </a:rPr>
               <a:t>So probability amplitude will be </a:t>
             </a:r>
-            <a:endParaRPr lang="en-US" sz="2400" dirty="0">
-              <a:solidFill>
-                <a:schemeClr val="tx1">
-                  <a:lumMod val="85000"/>
-                  <a:lumOff val="15000"/>
-                </a:schemeClr>
-              </a:solidFill>
-              <a:cs typeface="Calibri" panose="020F0502020204030204"/>
-            </a:endParaRPr>
           </a:p>
           <a:p>
             <a:pPr marL="0" indent="0">
@@ -14420,7 +14352,7 @@
               </a:rPr>
               <a:t>is x making probability of |0&gt; to be x^2</a:t>
             </a:r>
-            <a:endParaRPr lang="en-US" sz="2400" dirty="0">
+            <a:endParaRPr lang="en-US" sz="2400">
               <a:solidFill>
                 <a:schemeClr val="tx1">
                   <a:lumMod val="85000"/>
@@ -14435,7 +14367,7 @@
               <a:buNone/>
             </a:pPr>
             <a:r>
-              <a:rPr lang="en-US" sz="2400" dirty="0">
+              <a:rPr lang="en-US" sz="2400">
                 <a:solidFill>
                   <a:schemeClr val="tx1">
                     <a:lumMod val="85000"/>
@@ -14505,7 +14437,7 @@
             <a:pPr marL="0" indent="0">
               <a:buNone/>
             </a:pPr>
-            <a:endParaRPr lang="en-US" sz="2400" dirty="0">
+            <a:endParaRPr lang="en-US" sz="2400">
               <a:solidFill>
                 <a:schemeClr val="tx1">
                   <a:lumMod val="85000"/>
@@ -14850,7 +14782,7 @@
           <a:lstStyle/>
           <a:p>
             <a:r>
-              <a:rPr lang="en-US" sz="3200" b="1" dirty="0">
+              <a:rPr lang="en-US" sz="3200" b="1">
                 <a:latin typeface="Calibri"/>
                 <a:cs typeface="Calibri Light"/>
               </a:rPr>
@@ -14895,7 +14827,7 @@
               <a:buNone/>
             </a:pPr>
             <a:r>
-              <a:rPr lang="en-US" sz="2400" dirty="0">
+              <a:rPr lang="en-US" sz="2400">
                 <a:solidFill>
                   <a:schemeClr val="tx1">
                     <a:lumMod val="85000"/>
@@ -14912,7 +14844,7 @@
               <a:buNone/>
             </a:pPr>
             <a:r>
-              <a:rPr lang="en-US" sz="2400" dirty="0">
+              <a:rPr lang="en-US" sz="2400">
                 <a:solidFill>
                   <a:schemeClr val="tx1">
                     <a:lumMod val="85000"/>
@@ -14929,7 +14861,7 @@
               <a:buNone/>
             </a:pPr>
             <a:r>
-              <a:rPr lang="en-US" sz="2400" dirty="0">
+              <a:rPr lang="en-US" sz="2400">
                 <a:solidFill>
                   <a:schemeClr val="tx1">
                     <a:lumMod val="85000"/>
@@ -15336,7 +15268,7 @@
               <a:buNone/>
             </a:pPr>
             <a:r>
-              <a:rPr lang="en-US" sz="2400" dirty="0">
+              <a:rPr lang="en-US" sz="2400">
                 <a:solidFill>
                   <a:schemeClr val="tx1">
                     <a:lumMod val="85000"/>
@@ -15353,7 +15285,7 @@
               <a:buNone/>
             </a:pPr>
             <a:r>
-              <a:rPr lang="en-US" sz="2400" dirty="0">
+              <a:rPr lang="en-US" sz="2400">
                 <a:solidFill>
                   <a:schemeClr val="tx1">
                     <a:lumMod val="85000"/>
@@ -15890,18 +15822,6 @@
               <a:buNone/>
             </a:pPr>
             <a:r>
-              <a:rPr lang="en-US" sz="2400" dirty="0">
-                <a:solidFill>
-                  <a:schemeClr val="tx1">
-                    <a:lumMod val="85000"/>
-                    <a:lumOff val="15000"/>
-                  </a:schemeClr>
-                </a:solidFill>
-                <a:cs typeface="Calibri" panose="020F0502020204030204"/>
-              </a:rPr>
-              <a:t>We will start with some simpler ones and then get into the </a:t>
-            </a:r>
-            <a:r>
               <a:rPr lang="en-US" sz="2400">
                 <a:solidFill>
                   <a:schemeClr val="tx1">
@@ -15911,7 +15831,7 @@
                 </a:solidFill>
                 <a:cs typeface="Calibri" panose="020F0502020204030204"/>
               </a:rPr>
-              <a:t>complex gates. </a:t>
+              <a:t>We will start with some simpler ones and then get into the complex gates. </a:t>
             </a:r>
             <a:endParaRPr lang="en-US">
               <a:solidFill>
@@ -15926,7 +15846,7 @@
             <a:pPr marL="0" indent="0">
               <a:buNone/>
             </a:pPr>
-            <a:endParaRPr lang="en-US" sz="2400" dirty="0">
+            <a:endParaRPr lang="en-US" sz="2400">
               <a:solidFill>
                 <a:schemeClr val="tx1">
                   <a:lumMod val="85000"/>
@@ -15950,15 +15870,6 @@
               </a:rPr>
               <a:t>X Gate</a:t>
             </a:r>
-            <a:endParaRPr lang="en-US" sz="2400" dirty="0">
-              <a:solidFill>
-                <a:schemeClr val="tx1">
-                  <a:lumMod val="85000"/>
-                  <a:lumOff val="15000"/>
-                </a:schemeClr>
-              </a:solidFill>
-              <a:cs typeface="Calibri" panose="020F0502020204030204"/>
-            </a:endParaRPr>
           </a:p>
           <a:p>
             <a:pPr marL="342900" indent="-342900"/>
@@ -15974,15 +15885,6 @@
               </a:rPr>
               <a:t>CX Gate</a:t>
             </a:r>
-            <a:endParaRPr lang="en-US" sz="2400" dirty="0">
-              <a:solidFill>
-                <a:schemeClr val="tx1">
-                  <a:lumMod val="85000"/>
-                  <a:lumOff val="15000"/>
-                </a:schemeClr>
-              </a:solidFill>
-              <a:cs typeface="Calibri" panose="020F0502020204030204"/>
-            </a:endParaRPr>
           </a:p>
           <a:p>
             <a:pPr marL="342900" indent="-342900"/>
@@ -15998,15 +15900,6 @@
               </a:rPr>
               <a:t>CCX Gate</a:t>
             </a:r>
-            <a:endParaRPr lang="en-US" sz="2400" dirty="0">
-              <a:solidFill>
-                <a:schemeClr val="tx1">
-                  <a:lumMod val="85000"/>
-                  <a:lumOff val="15000"/>
-                </a:schemeClr>
-              </a:solidFill>
-              <a:cs typeface="Calibri" panose="020F0502020204030204"/>
-            </a:endParaRPr>
           </a:p>
           <a:p>
             <a:pPr marL="0" indent="0">
@@ -16024,15 +15917,6 @@
               </a:rPr>
               <a:t>Then we will try to replicate classical gates on qubits.</a:t>
             </a:r>
-            <a:endParaRPr lang="en-US" sz="2400" dirty="0">
-              <a:solidFill>
-                <a:schemeClr val="tx1">
-                  <a:lumMod val="85000"/>
-                  <a:lumOff val="15000"/>
-                </a:schemeClr>
-              </a:solidFill>
-              <a:cs typeface="Calibri" panose="020F0502020204030204"/>
-            </a:endParaRPr>
           </a:p>
         </p:txBody>
       </p:sp>
@@ -16369,7 +16253,7 @@
           <a:lstStyle/>
           <a:p>
             <a:r>
-              <a:rPr lang="en-US" sz="3200" b="1" dirty="0">
+              <a:rPr lang="en-US" sz="3200" b="1">
                 <a:latin typeface="Calibri"/>
                 <a:cs typeface="Calibri Light"/>
               </a:rPr>
@@ -16435,7 +16319,7 @@
             <a:pPr marL="0" indent="0">
               <a:buNone/>
             </a:pPr>
-            <a:endParaRPr lang="en-US" sz="2400" dirty="0">
+            <a:endParaRPr lang="en-US" sz="2400">
               <a:solidFill>
                 <a:schemeClr val="tx1">
                   <a:lumMod val="85000"/>
@@ -16459,41 +16343,8 @@
                 </a:solidFill>
                 <a:cs typeface="Calibri" panose="020F0502020204030204"/>
               </a:rPr>
-              <a:t>Apply the X gate and the qubit state gets </a:t>
+              <a:t>Apply the X gate and the qubit state gets flipped.</a:t>
             </a:r>
-            <a:r>
-              <a:rPr lang="en-US" sz="2400" dirty="0">
-                <a:solidFill>
-                  <a:schemeClr val="tx1">
-                    <a:lumMod val="85000"/>
-                    <a:lumOff val="15000"/>
-                  </a:schemeClr>
-                </a:solidFill>
-                <a:cs typeface="Calibri" panose="020F0502020204030204"/>
-              </a:rPr>
-              <a:t>flipped</a:t>
-            </a:r>
-            <a:r>
-              <a:rPr lang="en-US" sz="2400">
-                <a:solidFill>
-                  <a:schemeClr val="tx1">
-                    <a:lumMod val="85000"/>
-                    <a:lumOff val="15000"/>
-                  </a:schemeClr>
-                </a:solidFill>
-                <a:cs typeface="Calibri" panose="020F0502020204030204"/>
-              </a:rPr>
-              <a:t>.</a:t>
-            </a:r>
-            <a:endParaRPr lang="en-US" sz="2400" dirty="0">
-              <a:solidFill>
-                <a:schemeClr val="tx1">
-                  <a:lumMod val="85000"/>
-                  <a:lumOff val="15000"/>
-                </a:schemeClr>
-              </a:solidFill>
-              <a:cs typeface="Calibri" panose="020F0502020204030204"/>
-            </a:endParaRPr>
           </a:p>
           <a:p>
             <a:pPr marL="0" indent="0">
@@ -16511,7 +16362,12 @@
               </a:rPr>
               <a:t>|1&gt; to |0&gt;  and |0&gt; to |1&gt;</a:t>
             </a:r>
-            <a:endParaRPr lang="en-US" sz="2400" dirty="0">
+          </a:p>
+          <a:p>
+            <a:pPr marL="0" indent="0">
+              <a:buNone/>
+            </a:pPr>
+            <a:endParaRPr lang="en-US" sz="2400">
               <a:solidFill>
                 <a:schemeClr val="tx1">
                   <a:lumMod val="85000"/>
@@ -16525,22 +16381,8 @@
             <a:pPr marL="0" indent="0">
               <a:buNone/>
             </a:pPr>
-            <a:endParaRPr lang="en-US" sz="2400" dirty="0">
-              <a:solidFill>
-                <a:schemeClr val="tx1">
-                  <a:lumMod val="85000"/>
-                  <a:lumOff val="15000"/>
-                </a:schemeClr>
-              </a:solidFill>
-              <a:cs typeface="Calibri" panose="020F0502020204030204"/>
-            </a:endParaRPr>
-          </a:p>
-          <a:p>
-            <a:pPr marL="0" indent="0">
-              <a:buNone/>
-            </a:pPr>
             <a:r>
-              <a:rPr lang="en-US" sz="2400" dirty="0">
+              <a:rPr lang="en-US" sz="2400">
                 <a:solidFill>
                   <a:schemeClr val="tx1">
                     <a:lumMod val="85000"/>
@@ -16552,7 +16394,7 @@
               <a:t>If we start with a state |</a:t>
             </a:r>
             <a:r>
-              <a:rPr lang="el" sz="2400" b="1" dirty="0">
+              <a:rPr lang="el" sz="2400" b="1">
                 <a:ea typeface="+mn-lt"/>
                 <a:cs typeface="+mn-lt"/>
               </a:rPr>
@@ -16571,7 +16413,7 @@
               </a:rPr>
               <a:t>&gt; = a*|0&gt; +b*|1&gt; </a:t>
             </a:r>
-            <a:endParaRPr lang="en-US" sz="2400" dirty="0">
+            <a:endParaRPr lang="en-US" sz="2400">
               <a:solidFill>
                 <a:schemeClr val="tx1">
                   <a:lumMod val="85000"/>
@@ -16597,22 +16439,13 @@
               </a:rPr>
               <a:t>Applying X gate will change the state to </a:t>
             </a:r>
-            <a:endParaRPr lang="en-US" sz="2400" dirty="0">
-              <a:solidFill>
-                <a:schemeClr val="tx1">
-                  <a:lumMod val="85000"/>
-                  <a:lumOff val="15000"/>
-                </a:schemeClr>
-              </a:solidFill>
-              <a:cs typeface="Calibri" panose="020F0502020204030204"/>
-            </a:endParaRPr>
           </a:p>
           <a:p>
             <a:pPr marL="0" indent="0">
               <a:buNone/>
             </a:pPr>
             <a:r>
-              <a:rPr lang="en-US" sz="2400" dirty="0">
+              <a:rPr lang="en-US" sz="2400">
                 <a:solidFill>
                   <a:schemeClr val="tx1">
                     <a:lumMod val="85000"/>
@@ -16625,13 +16458,13 @@
               <a:t>|</a:t>
             </a:r>
             <a:r>
-              <a:rPr lang="el" sz="2400" b="1" dirty="0">
+              <a:rPr lang="el" sz="2400" b="1">
                 <a:cs typeface="Calibri" panose="020F0502020204030204"/>
               </a:rPr>
               <a:t>Ψ</a:t>
             </a:r>
             <a:r>
-              <a:rPr lang="en-US" sz="2400" dirty="0">
+              <a:rPr lang="en-US" sz="2400">
                 <a:solidFill>
                   <a:schemeClr val="tx1">
                     <a:lumMod val="85000"/>
@@ -16643,7 +16476,7 @@
               <a:t>&gt;</a:t>
             </a:r>
             <a:r>
-              <a:rPr lang="en-US" sz="1400" dirty="0">
+              <a:rPr lang="en-US" sz="1400">
                 <a:solidFill>
                   <a:schemeClr val="tx1">
                     <a:lumMod val="85000"/>
@@ -17040,7 +16873,7 @@
           <a:lstStyle/>
           <a:p>
             <a:r>
-              <a:rPr lang="en-US" sz="3200" b="1" dirty="0">
+              <a:rPr lang="en-US" sz="3200" b="1">
                 <a:latin typeface="Calibri"/>
                 <a:cs typeface="Calibri Light"/>
               </a:rPr>
@@ -17103,7 +16936,7 @@
             <a:pPr marL="0" indent="0">
               <a:buNone/>
             </a:pPr>
-            <a:endParaRPr lang="en-US" dirty="0">
+            <a:endParaRPr lang="en-US">
               <a:cs typeface="Calibri"/>
             </a:endParaRPr>
           </a:p>
@@ -17111,7 +16944,7 @@
             <a:pPr marL="0" indent="0">
               <a:buNone/>
             </a:pPr>
-            <a:endParaRPr lang="en-US" dirty="0">
+            <a:endParaRPr lang="en-US">
               <a:cs typeface="Calibri"/>
             </a:endParaRPr>
           </a:p>
@@ -17119,7 +16952,7 @@
             <a:pPr marL="0" indent="0">
               <a:buNone/>
             </a:pPr>
-            <a:endParaRPr lang="en-US" dirty="0">
+            <a:endParaRPr lang="en-US">
               <a:cs typeface="Calibri"/>
             </a:endParaRPr>
           </a:p>
@@ -17127,7 +16960,7 @@
             <a:pPr marL="0" indent="0">
               <a:buNone/>
             </a:pPr>
-            <a:endParaRPr lang="en-US" dirty="0">
+            <a:endParaRPr lang="en-US">
               <a:cs typeface="Calibri"/>
             </a:endParaRPr>
           </a:p>
@@ -17135,7 +16968,7 @@
             <a:pPr marL="0" indent="0">
               <a:buNone/>
             </a:pPr>
-            <a:endParaRPr lang="en-US" dirty="0">
+            <a:endParaRPr lang="en-US">
               <a:cs typeface="Calibri"/>
             </a:endParaRPr>
           </a:p>
@@ -17143,7 +16976,7 @@
             <a:pPr marL="0" indent="0">
               <a:buNone/>
             </a:pPr>
-            <a:endParaRPr lang="en-US" dirty="0">
+            <a:endParaRPr lang="en-US">
               <a:cs typeface="Calibri"/>
             </a:endParaRPr>
           </a:p>
@@ -17151,12 +16984,12 @@
             <a:pPr marL="0" indent="0">
               <a:buNone/>
             </a:pPr>
-            <a:endParaRPr lang="en-US" dirty="0">
+            <a:endParaRPr lang="en-US">
               <a:cs typeface="Calibri"/>
             </a:endParaRPr>
           </a:p>
           <a:p>
-            <a:endParaRPr lang="en-US" dirty="0">
+            <a:endParaRPr lang="en-US">
               <a:cs typeface="Calibri"/>
             </a:endParaRPr>
           </a:p>
@@ -17203,8 +17036,8 @@
             </p:blipFill>
             <p:spPr>
               <a:xfrm>
-                <a:off x="2500677" y="4954020"/>
-                <a:ext cx="44450" cy="702238"/>
+                <a:off x="2500677" y="4953652"/>
+                <a:ext cx="44450" cy="702257"/>
               </a:xfrm>
               <a:prstGeom prst="rect">
                 <a:avLst/>
@@ -17407,8 +17240,8 @@
             </p:blipFill>
             <p:spPr>
               <a:xfrm>
-                <a:off x="3299978" y="5381762"/>
-                <a:ext cx="340175" cy="44450"/>
+                <a:off x="3299600" y="5381409"/>
+                <a:ext cx="340217" cy="44450"/>
               </a:xfrm>
               <a:prstGeom prst="rect">
                 <a:avLst/>
@@ -17560,8 +17393,8 @@
             </p:blipFill>
             <p:spPr>
               <a:xfrm>
-                <a:off x="4247429" y="5018715"/>
-                <a:ext cx="359316" cy="692702"/>
+                <a:off x="4247449" y="5018715"/>
+                <a:ext cx="359277" cy="692702"/>
               </a:xfrm>
               <a:prstGeom prst="rect">
                 <a:avLst/>
@@ -17611,7 +17444,7 @@
             </p:blipFill>
             <p:spPr>
               <a:xfrm>
-                <a:off x="5009712" y="2955717"/>
+                <a:off x="5009352" y="2955717"/>
                 <a:ext cx="2273990" cy="1397598"/>
               </a:xfrm>
               <a:prstGeom prst="rect">
@@ -17662,7 +17495,7 @@
             </p:blipFill>
             <p:spPr>
               <a:xfrm>
-                <a:off x="6198853" y="4563655"/>
+                <a:off x="6198487" y="4563295"/>
                 <a:ext cx="64843" cy="426158"/>
               </a:xfrm>
               <a:prstGeom prst="rect">
@@ -17713,7 +17546,7 @@
             </p:blipFill>
             <p:spPr>
               <a:xfrm>
-                <a:off x="6329140" y="4610233"/>
+                <a:off x="6329140" y="4609875"/>
                 <a:ext cx="292341" cy="349727"/>
               </a:xfrm>
               <a:prstGeom prst="rect">
@@ -17764,7 +17597,7 @@
             </p:blipFill>
             <p:spPr>
               <a:xfrm>
-                <a:off x="6626213" y="4563648"/>
+                <a:off x="6625844" y="4563288"/>
                 <a:ext cx="226979" cy="435698"/>
               </a:xfrm>
               <a:prstGeom prst="rect">
@@ -17866,7 +17699,7 @@
             </p:blipFill>
             <p:spPr>
               <a:xfrm>
-                <a:off x="7537760" y="4300188"/>
+                <a:off x="7537410" y="4300188"/>
                 <a:ext cx="225232" cy="952500"/>
               </a:xfrm>
               <a:prstGeom prst="rect">
@@ -17968,7 +17801,7 @@
             </p:blipFill>
             <p:spPr>
               <a:xfrm>
-                <a:off x="8076349" y="4526536"/>
+                <a:off x="8076349" y="4526177"/>
                 <a:ext cx="234827" cy="387955"/>
               </a:xfrm>
               <a:prstGeom prst="rect">
@@ -18019,7 +17852,7 @@
             </p:blipFill>
             <p:spPr>
               <a:xfrm>
-                <a:off x="8271709" y="4508045"/>
+                <a:off x="8271354" y="4507688"/>
                 <a:ext cx="273206" cy="606839"/>
               </a:xfrm>
               <a:prstGeom prst="rect">
@@ -18070,8 +17903,8 @@
             </p:blipFill>
             <p:spPr>
               <a:xfrm>
-                <a:off x="2788072" y="2965268"/>
-                <a:ext cx="64843" cy="1750226"/>
+                <a:off x="2788304" y="2964904"/>
+                <a:ext cx="64384" cy="1750234"/>
               </a:xfrm>
               <a:prstGeom prst="rect">
                 <a:avLst/>
@@ -18121,7 +17954,7 @@
             </p:blipFill>
             <p:spPr>
               <a:xfrm>
-                <a:off x="2677412" y="4572209"/>
+                <a:off x="2677056" y="4572209"/>
                 <a:ext cx="311511" cy="150685"/>
               </a:xfrm>
               <a:prstGeom prst="rect">
@@ -18172,7 +18005,7 @@
             </p:blipFill>
             <p:spPr>
               <a:xfrm>
-                <a:off x="6774578" y="4972132"/>
+                <a:off x="6774578" y="4971764"/>
                 <a:ext cx="160201" cy="188843"/>
               </a:xfrm>
               <a:prstGeom prst="rect">
@@ -18223,7 +18056,7 @@
             </p:blipFill>
             <p:spPr>
               <a:xfrm>
-                <a:off x="6960422" y="4972127"/>
+                <a:off x="6960422" y="4971758"/>
                 <a:ext cx="141171" cy="179330"/>
               </a:xfrm>
               <a:prstGeom prst="rect">
@@ -18274,7 +18107,7 @@
             </p:blipFill>
             <p:spPr>
               <a:xfrm>
-                <a:off x="7109426" y="4943891"/>
+                <a:off x="7109058" y="4943891"/>
                 <a:ext cx="217465" cy="198358"/>
               </a:xfrm>
               <a:prstGeom prst="rect">
@@ -19066,7 +18899,7 @@
           <a:lstStyle/>
           <a:p>
             <a:r>
-              <a:rPr lang="en-US" sz="3200" b="1" dirty="0">
+              <a:rPr lang="en-US" sz="3200" b="1">
                 <a:latin typeface="Calibri"/>
                 <a:cs typeface="Calibri Light"/>
               </a:rPr>
@@ -19111,7 +18944,7 @@
               <a:buNone/>
             </a:pPr>
             <a:r>
-              <a:rPr lang="en-US" sz="2400" dirty="0">
+              <a:rPr lang="en-US" sz="2400">
                 <a:solidFill>
                   <a:schemeClr val="tx1">
                     <a:lumMod val="85000"/>
@@ -19127,7 +18960,7 @@
             <a:pPr marL="0" indent="0">
               <a:buNone/>
             </a:pPr>
-            <a:endParaRPr lang="en-US" sz="2400" dirty="0">
+            <a:endParaRPr lang="en-US" sz="2400">
               <a:solidFill>
                 <a:schemeClr val="tx1">
                   <a:lumMod val="85000"/>
@@ -19141,7 +18974,7 @@
             <a:pPr marL="0" indent="0">
               <a:buNone/>
             </a:pPr>
-            <a:endParaRPr lang="en-US" sz="2400" dirty="0">
+            <a:endParaRPr lang="en-US" sz="2400">
               <a:solidFill>
                 <a:schemeClr val="tx1">
                   <a:lumMod val="85000"/>
@@ -19155,7 +18988,7 @@
             <a:pPr marL="0" indent="0">
               <a:buNone/>
             </a:pPr>
-            <a:endParaRPr lang="en-US" sz="2400" dirty="0">
+            <a:endParaRPr lang="en-US" sz="2400">
               <a:solidFill>
                 <a:schemeClr val="tx1">
                   <a:lumMod val="85000"/>
@@ -19169,7 +19002,7 @@
             <a:pPr marL="0" indent="0">
               <a:buNone/>
             </a:pPr>
-            <a:endParaRPr lang="en-US" sz="2400" dirty="0">
+            <a:endParaRPr lang="en-US" sz="2400">
               <a:solidFill>
                 <a:schemeClr val="tx1">
                   <a:lumMod val="85000"/>
@@ -19183,7 +19016,7 @@
             <a:pPr marL="0" indent="0">
               <a:buNone/>
             </a:pPr>
-            <a:endParaRPr lang="en-US" sz="2400" dirty="0">
+            <a:endParaRPr lang="en-US" sz="2400">
               <a:solidFill>
                 <a:schemeClr val="tx1">
                   <a:lumMod val="85000"/>
@@ -19197,7 +19030,7 @@
             <a:pPr marL="0" indent="0">
               <a:buNone/>
             </a:pPr>
-            <a:endParaRPr lang="en-US" sz="2400" dirty="0">
+            <a:endParaRPr lang="en-US" sz="2400">
               <a:solidFill>
                 <a:schemeClr val="tx1">
                   <a:lumMod val="85000"/>
@@ -19212,7 +19045,7 @@
               <a:buNone/>
             </a:pPr>
             <a:r>
-              <a:rPr lang="en-US" sz="2400" dirty="0">
+              <a:rPr lang="en-US" sz="2400">
                 <a:solidFill>
                   <a:schemeClr val="tx1">
                     <a:lumMod val="85000"/>
@@ -19228,7 +19061,7 @@
             <a:pPr marL="0" indent="0">
               <a:buNone/>
             </a:pPr>
-            <a:endParaRPr lang="en-US" sz="2400" dirty="0">
+            <a:endParaRPr lang="en-US" sz="2400">
               <a:solidFill>
                 <a:schemeClr val="tx1">
                   <a:lumMod val="85000"/>
@@ -19603,7 +19436,7 @@
           <a:lstStyle/>
           <a:p>
             <a:r>
-              <a:rPr lang="en-US" sz="3200" b="1" dirty="0">
+              <a:rPr lang="en-US" sz="3200" b="1">
                 <a:latin typeface="Calibri"/>
                 <a:cs typeface="Calibri Light"/>
               </a:rPr>
@@ -19648,7 +19481,7 @@
               <a:buNone/>
             </a:pPr>
             <a:r>
-              <a:rPr lang="en-US" sz="2400" dirty="0">
+              <a:rPr lang="en-US" sz="2400">
                 <a:solidFill>
                   <a:schemeClr val="tx1">
                     <a:lumMod val="85000"/>
@@ -19664,7 +19497,7 @@
             <a:pPr marL="0" indent="0">
               <a:buNone/>
             </a:pPr>
-            <a:endParaRPr lang="en-US" sz="2400" dirty="0">
+            <a:endParaRPr lang="en-US" sz="2400">
               <a:solidFill>
                 <a:schemeClr val="tx1">
                   <a:lumMod val="85000"/>
@@ -19678,7 +19511,7 @@
             <a:pPr marL="0" indent="0">
               <a:buNone/>
             </a:pPr>
-            <a:endParaRPr lang="en-US" sz="2400" dirty="0">
+            <a:endParaRPr lang="en-US" sz="2400">
               <a:solidFill>
                 <a:schemeClr val="tx1">
                   <a:lumMod val="85000"/>
@@ -19692,7 +19525,7 @@
             <a:pPr marL="0" indent="0">
               <a:buNone/>
             </a:pPr>
-            <a:endParaRPr lang="en-US" sz="2400" dirty="0">
+            <a:endParaRPr lang="en-US" sz="2400">
               <a:solidFill>
                 <a:schemeClr val="tx1">
                   <a:lumMod val="85000"/>
@@ -19706,7 +19539,7 @@
             <a:pPr marL="0" indent="0">
               <a:buNone/>
             </a:pPr>
-            <a:endParaRPr lang="en-US" sz="2400" dirty="0">
+            <a:endParaRPr lang="en-US" sz="2400">
               <a:solidFill>
                 <a:schemeClr val="tx1">
                   <a:lumMod val="85000"/>
@@ -19720,7 +19553,7 @@
             <a:pPr marL="0" indent="0">
               <a:buNone/>
             </a:pPr>
-            <a:endParaRPr lang="en-US" sz="2400" dirty="0">
+            <a:endParaRPr lang="en-US" sz="2400">
               <a:solidFill>
                 <a:schemeClr val="tx1">
                   <a:lumMod val="85000"/>
@@ -19734,7 +19567,7 @@
             <a:pPr marL="0" indent="0">
               <a:buNone/>
             </a:pPr>
-            <a:endParaRPr lang="en-US" sz="2400" dirty="0">
+            <a:endParaRPr lang="en-US" sz="2400">
               <a:solidFill>
                 <a:schemeClr val="tx1">
                   <a:lumMod val="85000"/>
@@ -19749,7 +19582,7 @@
               <a:buNone/>
             </a:pPr>
             <a:r>
-              <a:rPr lang="en-US" sz="2400" dirty="0">
+              <a:rPr lang="en-US" sz="2400">
                 <a:solidFill>
                   <a:schemeClr val="tx1">
                     <a:lumMod val="85000"/>
@@ -19765,7 +19598,7 @@
             <a:pPr marL="0" indent="0">
               <a:buNone/>
             </a:pPr>
-            <a:endParaRPr lang="en-US" sz="2400" dirty="0">
+            <a:endParaRPr lang="en-US" sz="2400">
               <a:solidFill>
                 <a:schemeClr val="tx1">
                   <a:lumMod val="85000"/>
@@ -20140,7 +19973,7 @@
           <a:lstStyle/>
           <a:p>
             <a:r>
-              <a:rPr lang="en-US" sz="3200" b="1" dirty="0">
+              <a:rPr lang="en-US" sz="3200" b="1">
                 <a:latin typeface="Calibri"/>
                 <a:cs typeface="Calibri Light"/>
               </a:rPr>
@@ -20185,7 +20018,7 @@
               <a:buNone/>
             </a:pPr>
             <a:r>
-              <a:rPr lang="en-US" sz="2400" dirty="0">
+              <a:rPr lang="en-US" sz="2400">
                 <a:solidFill>
                   <a:schemeClr val="tx1">
                     <a:lumMod val="85000"/>
@@ -20201,7 +20034,7 @@
             <a:pPr marL="0" indent="0">
               <a:buNone/>
             </a:pPr>
-            <a:endParaRPr lang="en-US" sz="2400" dirty="0">
+            <a:endParaRPr lang="en-US" sz="2400">
               <a:solidFill>
                 <a:schemeClr val="tx1">
                   <a:lumMod val="85000"/>
@@ -20215,7 +20048,7 @@
             <a:pPr marL="0" indent="0">
               <a:buNone/>
             </a:pPr>
-            <a:endParaRPr lang="en-US" sz="2400" dirty="0">
+            <a:endParaRPr lang="en-US" sz="2400">
               <a:solidFill>
                 <a:schemeClr val="tx1">
                   <a:lumMod val="85000"/>
@@ -20229,7 +20062,7 @@
             <a:pPr marL="0" indent="0">
               <a:buNone/>
             </a:pPr>
-            <a:endParaRPr lang="en-US" sz="2400" dirty="0">
+            <a:endParaRPr lang="en-US" sz="2400">
               <a:solidFill>
                 <a:schemeClr val="tx1">
                   <a:lumMod val="85000"/>
@@ -20243,7 +20076,7 @@
             <a:pPr marL="0" indent="0">
               <a:buNone/>
             </a:pPr>
-            <a:endParaRPr lang="en-US" sz="2400" dirty="0">
+            <a:endParaRPr lang="en-US" sz="2400">
               <a:solidFill>
                 <a:schemeClr val="tx1">
                   <a:lumMod val="85000"/>
@@ -20257,7 +20090,7 @@
             <a:pPr marL="0" indent="0">
               <a:buNone/>
             </a:pPr>
-            <a:endParaRPr lang="en-US" sz="2400" dirty="0">
+            <a:endParaRPr lang="en-US" sz="2400">
               <a:solidFill>
                 <a:schemeClr val="tx1">
                   <a:lumMod val="85000"/>
@@ -20271,7 +20104,7 @@
             <a:pPr marL="0" indent="0">
               <a:buNone/>
             </a:pPr>
-            <a:endParaRPr lang="en-US" sz="2400" dirty="0">
+            <a:endParaRPr lang="en-US" sz="2400">
               <a:solidFill>
                 <a:schemeClr val="tx1">
                   <a:lumMod val="85000"/>
@@ -20286,7 +20119,7 @@
               <a:buNone/>
             </a:pPr>
             <a:r>
-              <a:rPr lang="en-US" sz="2400" dirty="0">
+              <a:rPr lang="en-US" sz="2400">
                 <a:solidFill>
                   <a:schemeClr val="tx1">
                     <a:lumMod val="85000"/>
@@ -20302,7 +20135,7 @@
             <a:pPr marL="0" indent="0">
               <a:buNone/>
             </a:pPr>
-            <a:endParaRPr lang="en-US" sz="2400" dirty="0">
+            <a:endParaRPr lang="en-US" sz="2400">
               <a:solidFill>
                 <a:schemeClr val="tx1">
                   <a:lumMod val="85000"/>
@@ -20684,7 +20517,7 @@
               <a:t>Cx</a:t>
             </a:r>
             <a:r>
-              <a:rPr lang="en-US" sz="3200" b="1" dirty="0">
+              <a:rPr lang="en-US" sz="3200" b="1">
                 <a:latin typeface="Calibri"/>
                 <a:cs typeface="Calibri Light"/>
               </a:rPr>
@@ -20729,7 +20562,7 @@
               <a:buNone/>
             </a:pPr>
             <a:r>
-              <a:rPr lang="en-US" sz="2400" dirty="0">
+              <a:rPr lang="en-US" sz="2400">
                 <a:solidFill>
                   <a:schemeClr val="tx1">
                     <a:lumMod val="85000"/>
@@ -20745,7 +20578,7 @@
             <a:pPr marL="0" indent="0">
               <a:buNone/>
             </a:pPr>
-            <a:endParaRPr lang="en-US" sz="2400" dirty="0">
+            <a:endParaRPr lang="en-US" sz="2400">
               <a:solidFill>
                 <a:schemeClr val="tx1">
                   <a:lumMod val="85000"/>
@@ -20759,7 +20592,7 @@
             <a:pPr marL="0" indent="0">
               <a:buNone/>
             </a:pPr>
-            <a:endParaRPr lang="en-US" sz="2400" dirty="0">
+            <a:endParaRPr lang="en-US" sz="2400">
               <a:solidFill>
                 <a:schemeClr val="tx1">
                   <a:lumMod val="85000"/>
@@ -20773,7 +20606,7 @@
             <a:pPr marL="0" indent="0">
               <a:buNone/>
             </a:pPr>
-            <a:endParaRPr lang="en-US" sz="2400" dirty="0">
+            <a:endParaRPr lang="en-US" sz="2400">
               <a:solidFill>
                 <a:schemeClr val="tx1">
                   <a:lumMod val="85000"/>
@@ -20787,7 +20620,7 @@
             <a:pPr marL="0" indent="0">
               <a:buNone/>
             </a:pPr>
-            <a:endParaRPr lang="en-US" sz="2400" dirty="0">
+            <a:endParaRPr lang="en-US" sz="2400">
               <a:solidFill>
                 <a:schemeClr val="tx1">
                   <a:lumMod val="85000"/>
@@ -20801,7 +20634,7 @@
             <a:pPr marL="0" indent="0">
               <a:buNone/>
             </a:pPr>
-            <a:endParaRPr lang="en-US" sz="2400" dirty="0">
+            <a:endParaRPr lang="en-US" sz="2400">
               <a:solidFill>
                 <a:schemeClr val="tx1">
                   <a:lumMod val="85000"/>
@@ -20815,7 +20648,7 @@
             <a:pPr marL="0" indent="0">
               <a:buNone/>
             </a:pPr>
-            <a:endParaRPr lang="en-US" sz="2400" dirty="0">
+            <a:endParaRPr lang="en-US" sz="2400">
               <a:solidFill>
                 <a:schemeClr val="tx1">
                   <a:lumMod val="85000"/>
@@ -20898,7 +20731,7 @@
             </p:blipFill>
             <p:spPr>
               <a:xfrm>
-                <a:off x="5432585" y="3191738"/>
+                <a:off x="5432585" y="3191378"/>
                 <a:ext cx="1797676" cy="492812"/>
               </a:xfrm>
               <a:prstGeom prst="rect">
@@ -20949,8 +20782,8 @@
             </p:blipFill>
             <p:spPr>
               <a:xfrm>
-                <a:off x="5414690" y="3514314"/>
-                <a:ext cx="255283" cy="168554"/>
+                <a:off x="5414294" y="3514314"/>
+                <a:ext cx="255343" cy="168554"/>
               </a:xfrm>
               <a:prstGeom prst="rect">
                 <a:avLst/>
@@ -21000,7 +20833,7 @@
             </p:blipFill>
             <p:spPr>
               <a:xfrm>
-                <a:off x="5639144" y="4473140"/>
+                <a:off x="5638785" y="4473140"/>
                 <a:ext cx="1197579" cy="226491"/>
               </a:xfrm>
               <a:prstGeom prst="rect">
@@ -21051,8 +20884,8 @@
             </p:blipFill>
             <p:spPr>
               <a:xfrm>
-                <a:off x="5594052" y="4536256"/>
-                <a:ext cx="236095" cy="226491"/>
+                <a:off x="5593688" y="4535858"/>
+                <a:ext cx="236095" cy="226560"/>
               </a:xfrm>
               <a:prstGeom prst="rect">
                 <a:avLst/>
@@ -21507,7 +21340,7 @@
               <a:t>Cx</a:t>
             </a:r>
             <a:r>
-              <a:rPr lang="en-US" sz="3200" b="1" dirty="0">
+              <a:rPr lang="en-US" sz="3200" b="1">
                 <a:latin typeface="Calibri"/>
                 <a:cs typeface="Calibri Light"/>
               </a:rPr>
@@ -21586,26 +21419,14 @@
                 </a:solidFill>
                 <a:cs typeface="Calibri" panose="020F0502020204030204"/>
               </a:rPr>
-              <a:t>If the control qubit is |0&gt; state,</a:t>
-            </a:r>
-            <a:r>
-              <a:rPr lang="en-US" sz="2400" dirty="0">
-                <a:solidFill>
-                  <a:schemeClr val="tx1">
-                    <a:lumMod val="85000"/>
-                    <a:lumOff val="15000"/>
-                  </a:schemeClr>
-                </a:solidFill>
-                <a:cs typeface="Calibri" panose="020F0502020204030204"/>
-              </a:rPr>
-              <a:t> then it just leaves the target qubit as it was.</a:t>
+              <a:t>If the control qubit is |0&gt; state, then it just leaves the target qubit as it was.</a:t>
             </a:r>
           </a:p>
           <a:p>
             <a:pPr marL="0" indent="0">
               <a:buNone/>
             </a:pPr>
-            <a:endParaRPr lang="en-US" sz="2400" dirty="0">
+            <a:endParaRPr lang="en-US" sz="2400">
               <a:solidFill>
                 <a:schemeClr val="tx1">
                   <a:lumMod val="85000"/>
@@ -21619,7 +21440,7 @@
             <a:pPr marL="0" indent="0">
               <a:buNone/>
             </a:pPr>
-            <a:endParaRPr lang="en-US" sz="2400" dirty="0">
+            <a:endParaRPr lang="en-US" sz="2400">
               <a:solidFill>
                 <a:schemeClr val="tx1">
                   <a:lumMod val="85000"/>
@@ -21633,7 +21454,7 @@
             <a:pPr marL="0" indent="0">
               <a:buNone/>
             </a:pPr>
-            <a:endParaRPr lang="en-US" sz="2400" dirty="0">
+            <a:endParaRPr lang="en-US" sz="2400">
               <a:solidFill>
                 <a:schemeClr val="tx1">
                   <a:lumMod val="85000"/>
@@ -21647,7 +21468,7 @@
             <a:pPr marL="0" indent="0">
               <a:buNone/>
             </a:pPr>
-            <a:endParaRPr lang="en-US" sz="2400" dirty="0">
+            <a:endParaRPr lang="en-US" sz="2400">
               <a:solidFill>
                 <a:schemeClr val="tx1">
                   <a:lumMod val="85000"/>
@@ -21661,7 +21482,7 @@
             <a:pPr marL="0" indent="0">
               <a:buNone/>
             </a:pPr>
-            <a:endParaRPr lang="en-US" sz="2400" dirty="0">
+            <a:endParaRPr lang="en-US" sz="2400">
               <a:solidFill>
                 <a:schemeClr val="tx1">
                   <a:lumMod val="85000"/>
@@ -21765,7 +21586,7 @@
           <a:lstStyle/>
           <a:p>
             <a:r>
-              <a:rPr lang="en-US" dirty="0"/>
+              <a:rPr lang="en-US"/>
               <a:t>Target Qubit is not |1&gt; so the control doesn't get activated</a:t>
             </a:r>
           </a:p>
@@ -21803,15 +21624,11 @@
           <a:lstStyle/>
           <a:p>
             <a:r>
-              <a:rPr lang="en-US" dirty="0"/>
-              <a:t>Target Qubit is in |1&gt; so the control gets activated </a:t>
+              <a:rPr lang="en-US"/>
+              <a:t>Target Qubit is in |1&gt; so the control gets activated flipping</a:t>
             </a:r>
             <a:r>
-              <a:rPr lang="en-US"/>
-              <a:t>flipping</a:t>
-            </a:r>
-            <a:r>
-              <a:rPr lang="en-US" dirty="0">
+              <a:rPr lang="en-US">
                 <a:cs typeface="Calibri"/>
               </a:rPr>
               <a:t> the target qubit to |1&gt;</a:t>
@@ -22422,7 +22239,7 @@
           <a:lstStyle/>
           <a:p>
             <a:r>
-              <a:rPr lang="en-US" sz="3200" b="1" dirty="0">
+              <a:rPr lang="en-US" sz="3200" b="1">
                 <a:latin typeface="Calibri"/>
                 <a:cs typeface="Calibri Light"/>
               </a:rPr>
@@ -22467,7 +22284,7 @@
               <a:buNone/>
             </a:pPr>
             <a:r>
-              <a:rPr lang="en-US" sz="2400" dirty="0">
+              <a:rPr lang="en-US" sz="2400">
                 <a:solidFill>
                   <a:schemeClr val="tx1">
                     <a:lumMod val="85000"/>
@@ -22476,7 +22293,53 @@
                 </a:solidFill>
                 <a:cs typeface="Calibri" panose="020F0502020204030204"/>
               </a:rPr>
-              <a:t>CCX is </a:t>
+              <a:t>CCX is Controlled Controlled X Gate aka Double Control X Gate.</a:t>
+            </a:r>
+          </a:p>
+          <a:p>
+            <a:pPr marL="0" indent="0">
+              <a:buNone/>
+            </a:pPr>
+            <a:r>
+              <a:rPr lang="en-US" sz="2400">
+                <a:solidFill>
+                  <a:schemeClr val="tx1">
+                    <a:lumMod val="85000"/>
+                    <a:lumOff val="15000"/>
+                  </a:schemeClr>
+                </a:solidFill>
+                <a:cs typeface="Calibri" panose="020F0502020204030204"/>
+              </a:rPr>
+              <a:t>It has 2 control qubits and 1 target qubit.</a:t>
+            </a:r>
+          </a:p>
+          <a:p>
+            <a:pPr marL="0" indent="0">
+              <a:buNone/>
+            </a:pPr>
+            <a:r>
+              <a:rPr lang="en-US" sz="2400">
+                <a:solidFill>
+                  <a:schemeClr val="tx1">
+                    <a:lumMod val="85000"/>
+                    <a:lumOff val="15000"/>
+                  </a:schemeClr>
+                </a:solidFill>
+                <a:cs typeface="Calibri" panose="020F0502020204030204"/>
+              </a:rPr>
+              <a:t>When both the control qubits are in |1&gt; state only then it </a:t>
+            </a:r>
+            <a:r>
+              <a:rPr lang="en-US" sz="2400" err="1">
+                <a:solidFill>
+                  <a:schemeClr val="tx1">
+                    <a:lumMod val="85000"/>
+                    <a:lumOff val="15000"/>
+                  </a:schemeClr>
+                </a:solidFill>
+                <a:cs typeface="Calibri" panose="020F0502020204030204"/>
+              </a:rPr>
+              <a:t>flipes</a:t>
             </a:r>
             <a:r>
               <a:rPr lang="en-US" sz="2400">
@@ -22488,108 +22351,14 @@
                 </a:solidFill>
                 <a:cs typeface="Calibri" panose="020F0502020204030204"/>
               </a:rPr>
-              <a:t>Controlled</a:t>
-            </a:r>
-            <a:r>
-              <a:rPr lang="en-US" sz="2400" dirty="0">
-                <a:solidFill>
-                  <a:schemeClr val="tx1">
-                    <a:lumMod val="85000"/>
-                    <a:lumOff val="15000"/>
-                  </a:schemeClr>
-                </a:solidFill>
-                <a:cs typeface="Calibri" panose="020F0502020204030204"/>
-              </a:rPr>
-              <a:t> </a:t>
-            </a:r>
-            <a:r>
-              <a:rPr lang="en-US" sz="2400">
-                <a:solidFill>
-                  <a:schemeClr val="tx1">
-                    <a:lumMod val="85000"/>
-                    <a:lumOff val="15000"/>
-                  </a:schemeClr>
-                </a:solidFill>
-                <a:cs typeface="Calibri" panose="020F0502020204030204"/>
-              </a:rPr>
-              <a:t>Controlled</a:t>
-            </a:r>
-            <a:r>
-              <a:rPr lang="en-US" sz="2400" dirty="0">
-                <a:solidFill>
-                  <a:schemeClr val="tx1">
-                    <a:lumMod val="85000"/>
-                    <a:lumOff val="15000"/>
-                  </a:schemeClr>
-                </a:solidFill>
-                <a:cs typeface="Calibri" panose="020F0502020204030204"/>
-              </a:rPr>
-              <a:t> X Gate aka Double Control X Gate.</a:t>
+              <a:t> the target qubit.</a:t>
             </a:r>
           </a:p>
           <a:p>
             <a:pPr marL="0" indent="0">
               <a:buNone/>
             </a:pPr>
-            <a:r>
-              <a:rPr lang="en-US" sz="2400" dirty="0">
-                <a:solidFill>
-                  <a:schemeClr val="tx1">
-                    <a:lumMod val="85000"/>
-                    <a:lumOff val="15000"/>
-                  </a:schemeClr>
-                </a:solidFill>
-                <a:cs typeface="Calibri" panose="020F0502020204030204"/>
-              </a:rPr>
-              <a:t>It has 2 control qubits and 1 target qubit.</a:t>
-            </a:r>
-          </a:p>
-          <a:p>
-            <a:pPr marL="0" indent="0">
-              <a:buNone/>
-            </a:pPr>
-            <a:r>
-              <a:rPr lang="en-US" sz="2400" dirty="0">
-                <a:solidFill>
-                  <a:schemeClr val="tx1">
-                    <a:lumMod val="85000"/>
-                    <a:lumOff val="15000"/>
-                  </a:schemeClr>
-                </a:solidFill>
-                <a:cs typeface="Calibri" panose="020F0502020204030204"/>
-              </a:rPr>
-              <a:t>When both the control qubits are in |1&gt; state only then it </a:t>
-            </a:r>
-            <a:r>
-              <a:rPr lang="en-US" sz="2400" dirty="0" err="1">
-                <a:solidFill>
-                  <a:schemeClr val="tx1">
-                    <a:lumMod val="85000"/>
-                    <a:lumOff val="15000"/>
-                  </a:schemeClr>
-                </a:solidFill>
-                <a:cs typeface="Calibri" panose="020F0502020204030204"/>
-              </a:rPr>
-              <a:t>flipes</a:t>
-            </a:r>
-            <a:r>
-              <a:rPr lang="en-US" sz="2400" dirty="0">
-                <a:solidFill>
-                  <a:schemeClr val="tx1">
-                    <a:lumMod val="85000"/>
-                    <a:lumOff val="15000"/>
-                  </a:schemeClr>
-                </a:solidFill>
-                <a:cs typeface="Calibri" panose="020F0502020204030204"/>
-              </a:rPr>
-              <a:t> the target qubit.</a:t>
-            </a:r>
-          </a:p>
-          <a:p>
-            <a:pPr marL="0" indent="0">
-              <a:buNone/>
-            </a:pPr>
-            <a:endParaRPr lang="en-US" sz="2400" dirty="0">
+            <a:endParaRPr lang="en-US" sz="2400">
               <a:solidFill>
                 <a:schemeClr val="tx1">
                   <a:lumMod val="85000"/>
@@ -22603,7 +22372,7 @@
             <a:pPr marL="0" indent="0">
               <a:buNone/>
             </a:pPr>
-            <a:endParaRPr lang="en-US" sz="2400" dirty="0">
+            <a:endParaRPr lang="en-US" sz="2400">
               <a:solidFill>
                 <a:schemeClr val="tx1">
                   <a:lumMod val="85000"/>
@@ -22617,7 +22386,7 @@
             <a:pPr marL="0" indent="0">
               <a:buNone/>
             </a:pPr>
-            <a:endParaRPr lang="en-US" sz="2400" dirty="0">
+            <a:endParaRPr lang="en-US" sz="2400">
               <a:solidFill>
                 <a:schemeClr val="tx1">
                   <a:lumMod val="85000"/>
@@ -22631,7 +22400,7 @@
             <a:pPr marL="0" indent="0">
               <a:buNone/>
             </a:pPr>
-            <a:endParaRPr lang="en-US" sz="2400" dirty="0">
+            <a:endParaRPr lang="en-US" sz="2400">
               <a:solidFill>
                 <a:schemeClr val="tx1">
                   <a:lumMod val="85000"/>
@@ -22765,7 +22534,7 @@
             </p:blipFill>
             <p:spPr>
               <a:xfrm>
-                <a:off x="2582152" y="4293889"/>
+                <a:off x="2581792" y="4293889"/>
                 <a:ext cx="187984" cy="216880"/>
               </a:xfrm>
               <a:prstGeom prst="rect">
@@ -22816,7 +22585,7 @@
             </p:blipFill>
             <p:spPr>
               <a:xfrm>
-                <a:off x="2590715" y="4912734"/>
+                <a:off x="2590715" y="4912370"/>
                 <a:ext cx="2512167" cy="236095"/>
               </a:xfrm>
               <a:prstGeom prst="rect">
@@ -22918,8 +22687,8 @@
             </p:blipFill>
             <p:spPr>
               <a:xfrm>
-                <a:off x="2671441" y="5665592"/>
-                <a:ext cx="2559706" cy="197627"/>
+                <a:off x="2671443" y="5665592"/>
+                <a:ext cx="2559701" cy="197627"/>
               </a:xfrm>
               <a:prstGeom prst="rect">
                 <a:avLst/>
@@ -22969,8 +22738,8 @@
             </p:blipFill>
             <p:spPr>
               <a:xfrm>
-                <a:off x="2644905" y="5728471"/>
-                <a:ext cx="187984" cy="178325"/>
+                <a:off x="2644545" y="5728516"/>
+                <a:ext cx="187984" cy="178237"/>
               </a:xfrm>
               <a:prstGeom prst="rect">
                 <a:avLst/>
@@ -23456,7 +23225,7 @@
           <a:lstStyle/>
           <a:p>
             <a:r>
-              <a:rPr lang="en-US" sz="3200" b="1" dirty="0">
+              <a:rPr lang="en-US" sz="3200" b="1">
                 <a:latin typeface="Calibri"/>
                 <a:cs typeface="Calibri Light"/>
               </a:rPr>
@@ -23860,18 +23629,18 @@
           <a:lstStyle/>
           <a:p>
             <a:r>
-              <a:rPr lang="en-US" dirty="0"/>
+              <a:rPr lang="en-US"/>
               <a:t>In this only one control qubit is activated and the other one is not. So the target qubit is not flipped.</a:t>
             </a:r>
           </a:p>
           <a:p>
-            <a:endParaRPr lang="en-US" dirty="0">
+            <a:endParaRPr lang="en-US">
               <a:cs typeface="Calibri"/>
             </a:endParaRPr>
           </a:p>
           <a:p>
             <a:r>
-              <a:rPr lang="en-US" dirty="0">
+              <a:rPr lang="en-US">
                 <a:cs typeface="Calibri"/>
               </a:rPr>
               <a:t>We started with |001&gt; ended up as |001&gt;</a:t>
@@ -23911,12 +23680,12 @@
           <a:lstStyle/>
           <a:p>
             <a:r>
-              <a:rPr lang="en-US" dirty="0"/>
+              <a:rPr lang="en-US"/>
               <a:t>In this both control qubit has been activated resulting in the flip of the target qubit.</a:t>
             </a:r>
           </a:p>
           <a:p>
-            <a:endParaRPr lang="en-US" dirty="0">
+            <a:endParaRPr lang="en-US">
               <a:cs typeface="Calibri"/>
             </a:endParaRPr>
           </a:p>
@@ -23926,14 +23695,7 @@
                 <a:ea typeface="+mn-lt"/>
                 <a:cs typeface="+mn-lt"/>
               </a:rPr>
-              <a:t>We started with |011&gt; ended up </a:t>
-            </a:r>
-            <a:r>
-              <a:rPr lang="en-US" dirty="0">
-                <a:ea typeface="+mn-lt"/>
-                <a:cs typeface="+mn-lt"/>
-              </a:rPr>
-              <a:t>as |111&gt;</a:t>
+              <a:t>We started with |011&gt; ended up as |111&gt;</a:t>
             </a:r>
           </a:p>
         </p:txBody>
@@ -24342,15 +24104,6 @@
               </a:rPr>
               <a:t>AND</a:t>
             </a:r>
-            <a:endParaRPr lang="en-US" sz="2400" dirty="0">
-              <a:solidFill>
-                <a:schemeClr val="tx1">
-                  <a:lumMod val="85000"/>
-                  <a:lumOff val="15000"/>
-                </a:schemeClr>
-              </a:solidFill>
-              <a:cs typeface="Calibri" panose="020F0502020204030204"/>
-            </a:endParaRPr>
           </a:p>
           <a:p>
             <a:r>
@@ -24365,15 +24118,6 @@
               </a:rPr>
               <a:t>OR</a:t>
             </a:r>
-            <a:endParaRPr lang="en-US" sz="2400" dirty="0">
-              <a:solidFill>
-                <a:schemeClr val="tx1">
-                  <a:lumMod val="85000"/>
-                  <a:lumOff val="15000"/>
-                </a:schemeClr>
-              </a:solidFill>
-              <a:cs typeface="Calibri" panose="020F0502020204030204"/>
-            </a:endParaRPr>
           </a:p>
           <a:p>
             <a:r>
@@ -24388,15 +24132,6 @@
               </a:rPr>
               <a:t>NAND</a:t>
             </a:r>
-            <a:endParaRPr lang="en-US" sz="2400" dirty="0">
-              <a:solidFill>
-                <a:schemeClr val="tx1">
-                  <a:lumMod val="85000"/>
-                  <a:lumOff val="15000"/>
-                </a:schemeClr>
-              </a:solidFill>
-              <a:cs typeface="Calibri" panose="020F0502020204030204"/>
-            </a:endParaRPr>
           </a:p>
           <a:p>
             <a:r>
@@ -24411,15 +24146,6 @@
               </a:rPr>
               <a:t>NOR</a:t>
             </a:r>
-            <a:endParaRPr lang="en-US" sz="2400" dirty="0">
-              <a:solidFill>
-                <a:schemeClr val="tx1">
-                  <a:lumMod val="85000"/>
-                  <a:lumOff val="15000"/>
-                </a:schemeClr>
-              </a:solidFill>
-              <a:cs typeface="Calibri" panose="020F0502020204030204"/>
-            </a:endParaRPr>
           </a:p>
           <a:p>
             <a:r>
@@ -24434,15 +24160,6 @@
               </a:rPr>
               <a:t>XOR</a:t>
             </a:r>
-            <a:endParaRPr lang="en-US" sz="2400" dirty="0">
-              <a:solidFill>
-                <a:schemeClr val="tx1">
-                  <a:lumMod val="85000"/>
-                  <a:lumOff val="15000"/>
-                </a:schemeClr>
-              </a:solidFill>
-              <a:cs typeface="Calibri" panose="020F0502020204030204"/>
-            </a:endParaRPr>
           </a:p>
           <a:p>
             <a:r>
@@ -24457,18 +24174,9 @@
               </a:rPr>
               <a:t>XNOR</a:t>
             </a:r>
-            <a:endParaRPr lang="en-US" sz="2400" dirty="0">
-              <a:solidFill>
-                <a:schemeClr val="tx1">
-                  <a:lumMod val="85000"/>
-                  <a:lumOff val="15000"/>
-                </a:schemeClr>
-              </a:solidFill>
-              <a:cs typeface="Calibri" panose="020F0502020204030204"/>
-            </a:endParaRPr>
-          </a:p>
-          <a:p>
-            <a:endParaRPr lang="en-US" sz="2400" dirty="0">
+          </a:p>
+          <a:p>
+            <a:endParaRPr lang="en-US" sz="2400">
               <a:solidFill>
                 <a:schemeClr val="tx1">
                   <a:lumMod val="85000"/>
@@ -24912,7 +24620,7 @@
             <a:pPr marL="0" indent="0">
               <a:buNone/>
             </a:pPr>
-            <a:endParaRPr lang="en-US" sz="2400" dirty="0">
+            <a:endParaRPr lang="en-US" sz="2400">
               <a:solidFill>
                 <a:schemeClr val="tx1">
                   <a:lumMod val="85000"/>
@@ -24926,7 +24634,7 @@
             <a:pPr marL="0" indent="0">
               <a:buNone/>
             </a:pPr>
-            <a:endParaRPr lang="en-US" sz="2400" dirty="0">
+            <a:endParaRPr lang="en-US" sz="2400">
               <a:solidFill>
                 <a:schemeClr val="tx1">
                   <a:lumMod val="85000"/>
@@ -24940,7 +24648,7 @@
             <a:pPr marL="0" indent="0">
               <a:buNone/>
             </a:pPr>
-            <a:endParaRPr lang="en-US" sz="2400" dirty="0">
+            <a:endParaRPr lang="en-US" sz="2400">
               <a:solidFill>
                 <a:schemeClr val="tx1">
                   <a:lumMod val="85000"/>
@@ -24954,7 +24662,7 @@
             <a:pPr marL="0" indent="0">
               <a:buNone/>
             </a:pPr>
-            <a:endParaRPr lang="en-US" sz="2400" dirty="0">
+            <a:endParaRPr lang="en-US" sz="2400">
               <a:solidFill>
                 <a:schemeClr val="tx1">
                   <a:lumMod val="85000"/>
@@ -24968,7 +24676,7 @@
             <a:pPr marL="0" indent="0">
               <a:buNone/>
             </a:pPr>
-            <a:endParaRPr lang="en-US" sz="2400" dirty="0">
+            <a:endParaRPr lang="en-US" sz="2400">
               <a:solidFill>
                 <a:schemeClr val="tx1">
                   <a:lumMod val="85000"/>
@@ -24982,7 +24690,7 @@
             <a:pPr marL="0" indent="0">
               <a:buNone/>
             </a:pPr>
-            <a:endParaRPr lang="en-US" sz="2400" dirty="0">
+            <a:endParaRPr lang="en-US" sz="2400">
               <a:solidFill>
                 <a:schemeClr val="tx1">
                   <a:lumMod val="85000"/>
@@ -25008,15 +24716,6 @@
               </a:rPr>
               <a:t>You can simply see that it's just a CCX gate.</a:t>
             </a:r>
-            <a:endParaRPr lang="en-US" sz="2400" dirty="0">
-              <a:solidFill>
-                <a:schemeClr val="tx1">
-                  <a:lumMod val="85000"/>
-                  <a:lumOff val="15000"/>
-                </a:schemeClr>
-              </a:solidFill>
-              <a:cs typeface="Calibri" panose="020F0502020204030204"/>
-            </a:endParaRPr>
           </a:p>
         </p:txBody>
       </p:sp>
@@ -26887,7 +26586,7 @@
             <a:pPr marL="0" indent="0">
               <a:buNone/>
             </a:pPr>
-            <a:endParaRPr lang="en-US" sz="2400" dirty="0">
+            <a:endParaRPr lang="en-US" sz="2400">
               <a:solidFill>
                 <a:schemeClr val="tx1">
                   <a:lumMod val="85000"/>
@@ -26901,7 +26600,7 @@
             <a:pPr marL="0" indent="0">
               <a:buNone/>
             </a:pPr>
-            <a:endParaRPr lang="en-US" sz="2400" dirty="0">
+            <a:endParaRPr lang="en-US" sz="2400">
               <a:solidFill>
                 <a:schemeClr val="tx1">
                   <a:lumMod val="85000"/>
@@ -26915,7 +26614,7 @@
             <a:pPr marL="0" indent="0">
               <a:buNone/>
             </a:pPr>
-            <a:endParaRPr lang="en-US" sz="2400" dirty="0">
+            <a:endParaRPr lang="en-US" sz="2400">
               <a:solidFill>
                 <a:schemeClr val="tx1">
                   <a:lumMod val="85000"/>
@@ -26929,7 +26628,7 @@
             <a:pPr marL="0" indent="0">
               <a:buNone/>
             </a:pPr>
-            <a:endParaRPr lang="en-US" sz="2400" dirty="0">
+            <a:endParaRPr lang="en-US" sz="2400">
               <a:solidFill>
                 <a:schemeClr val="tx1">
                   <a:lumMod val="85000"/>
@@ -26943,7 +26642,7 @@
             <a:pPr marL="0" indent="0">
               <a:buNone/>
             </a:pPr>
-            <a:endParaRPr lang="en-US" sz="2400" dirty="0">
+            <a:endParaRPr lang="en-US" sz="2400">
               <a:solidFill>
                 <a:schemeClr val="tx1">
                   <a:lumMod val="85000"/>
@@ -26957,7 +26656,7 @@
             <a:pPr marL="0" indent="0">
               <a:buNone/>
             </a:pPr>
-            <a:endParaRPr lang="en-US" sz="2400" dirty="0">
+            <a:endParaRPr lang="en-US" sz="2400">
               <a:solidFill>
                 <a:schemeClr val="tx1">
                   <a:lumMod val="85000"/>
@@ -26983,15 +26682,6 @@
               </a:rPr>
               <a:t>Looks a bit complicated, so let's work on it.</a:t>
             </a:r>
-            <a:endParaRPr lang="en-US" sz="2400" dirty="0">
-              <a:solidFill>
-                <a:schemeClr val="tx1">
-                  <a:lumMod val="85000"/>
-                  <a:lumOff val="15000"/>
-                </a:schemeClr>
-              </a:solidFill>
-              <a:cs typeface="Calibri" panose="020F0502020204030204"/>
-            </a:endParaRPr>
           </a:p>
         </p:txBody>
       </p:sp>
@@ -28038,9 +27728,6 @@
               </a:rPr>
               <a:t>Let's see if you guys find any.</a:t>
             </a:r>
-            <a:endParaRPr lang="en-US" sz="2400" dirty="0">
-              <a:cs typeface="Calibri"/>
-            </a:endParaRPr>
           </a:p>
         </p:txBody>
       </p:sp>
@@ -28823,15 +28510,6 @@
               </a:rPr>
               <a:t>NAND</a:t>
             </a:r>
-            <a:endParaRPr lang="en-US" sz="2400" dirty="0">
-              <a:solidFill>
-                <a:schemeClr val="tx1">
-                  <a:lumMod val="85000"/>
-                  <a:lumOff val="15000"/>
-                </a:schemeClr>
-              </a:solidFill>
-              <a:cs typeface="Calibri" panose="020F0502020204030204"/>
-            </a:endParaRPr>
           </a:p>
           <a:p>
             <a:pPr marL="342900" indent="-342900"/>
@@ -28847,15 +28525,6 @@
               </a:rPr>
               <a:t>NOR</a:t>
             </a:r>
-            <a:endParaRPr lang="en-US" sz="2400" dirty="0">
-              <a:solidFill>
-                <a:schemeClr val="tx1">
-                  <a:lumMod val="85000"/>
-                  <a:lumOff val="15000"/>
-                </a:schemeClr>
-              </a:solidFill>
-              <a:cs typeface="Calibri" panose="020F0502020204030204"/>
-            </a:endParaRPr>
           </a:p>
           <a:p>
             <a:pPr marL="342900" indent="-342900"/>
@@ -28871,15 +28540,6 @@
               </a:rPr>
               <a:t>XOR</a:t>
             </a:r>
-            <a:endParaRPr lang="en-US" sz="2400" dirty="0">
-              <a:solidFill>
-                <a:schemeClr val="tx1">
-                  <a:lumMod val="85000"/>
-                  <a:lumOff val="15000"/>
-                </a:schemeClr>
-              </a:solidFill>
-              <a:cs typeface="Calibri" panose="020F0502020204030204"/>
-            </a:endParaRPr>
           </a:p>
           <a:p>
             <a:pPr marL="342900" indent="-342900"/>
@@ -28895,19 +28555,10 @@
               </a:rPr>
               <a:t>XNOR</a:t>
             </a:r>
-            <a:endParaRPr lang="en-US" sz="2400" dirty="0">
-              <a:solidFill>
-                <a:schemeClr val="tx1">
-                  <a:lumMod val="85000"/>
-                  <a:lumOff val="15000"/>
-                </a:schemeClr>
-              </a:solidFill>
-              <a:cs typeface="Calibri" panose="020F0502020204030204"/>
-            </a:endParaRPr>
           </a:p>
           <a:p>
             <a:pPr marL="342900" indent="-342900"/>
-            <a:endParaRPr lang="en-US" sz="2400" dirty="0">
+            <a:endParaRPr lang="en-US" sz="2400">
               <a:solidFill>
                 <a:schemeClr val="tx1">
                   <a:lumMod val="85000"/>
@@ -29153,7 +28804,7 @@
           </a:p>
           <a:p>
             <a:pPr algn="ctr"/>
-            <a:endParaRPr lang="en-US" dirty="0">
+            <a:endParaRPr lang="en-US">
               <a:ea typeface="Source Sans Pro SemiBold"/>
             </a:endParaRPr>
           </a:p>
@@ -29187,7 +28838,7 @@
               </a:lnSpc>
             </a:pPr>
             <a:r>
-              <a:rPr lang="en-US" sz="1500" dirty="0">
+              <a:rPr lang="en-US" sz="1500">
                 <a:ea typeface="+mn-lt"/>
                 <a:cs typeface="+mn-lt"/>
               </a:rPr>
